--- a/presentation_powerpoint/meeting_2nd/mobile_ar_vr_working_group_reading_group_2nd_meeting.pptx
+++ b/presentation_powerpoint/meeting_2nd/mobile_ar_vr_working_group_reading_group_2nd_meeting.pptx
@@ -1423,7 +1423,7 @@
         <p:spPr>
           <a:xfrm>
             <a:off x="0" y="0"/>
-            <a:ext cx="10080360" cy="7559280"/>
+            <a:ext cx="10080000" cy="7558920"/>
           </a:xfrm>
           <a:prstGeom prst="rect">
             <a:avLst/>
@@ -1695,7 +1695,7 @@
         <p:spPr>
           <a:xfrm>
             <a:off x="504000" y="1901160"/>
-            <a:ext cx="9070200" cy="1270080"/>
+            <a:ext cx="9069840" cy="1269720"/>
           </a:xfrm>
           <a:prstGeom prst="rect">
             <a:avLst/>
@@ -1766,7 +1766,7 @@
         <p:spPr>
           <a:xfrm>
             <a:off x="504000" y="3437280"/>
-            <a:ext cx="9070200" cy="2733480"/>
+            <a:ext cx="9069840" cy="2733120"/>
           </a:xfrm>
           <a:prstGeom prst="rect">
             <a:avLst/>
@@ -1917,7 +1917,7 @@
         <p:spPr>
           <a:xfrm>
             <a:off x="504000" y="969840"/>
-            <a:ext cx="9070200" cy="1044720"/>
+            <a:ext cx="9069840" cy="1044360"/>
           </a:xfrm>
           <a:prstGeom prst="rect">
             <a:avLst/>
@@ -1971,7 +1971,7 @@
         <p:spPr>
           <a:xfrm>
             <a:off x="504000" y="2232000"/>
-            <a:ext cx="9070200" cy="4390560"/>
+            <a:ext cx="9069840" cy="4390200"/>
           </a:xfrm>
           <a:prstGeom prst="rect">
             <a:avLst/>
@@ -1992,7 +1992,7 @@
             <a:normAutofit fontScale="64000"/>
           </a:bodyPr>
           <a:p>
-            <a:pPr marL="432000" indent="-322560">
+            <a:pPr marL="432000" indent="-322200">
               <a:lnSpc>
                 <a:spcPct val="100000"/>
               </a:lnSpc>
@@ -2021,7 +2021,7 @@
             </a:endParaRPr>
           </a:p>
           <a:p>
-            <a:pPr marL="432000" indent="-322560">
+            <a:pPr marL="432000" indent="-322200">
               <a:lnSpc>
                 <a:spcPct val="100000"/>
               </a:lnSpc>
@@ -2050,7 +2050,7 @@
             </a:endParaRPr>
           </a:p>
           <a:p>
-            <a:pPr marL="432000" indent="-322560">
+            <a:pPr marL="432000" indent="-322200">
               <a:lnSpc>
                 <a:spcPct val="100000"/>
               </a:lnSpc>
@@ -2119,7 +2119,7 @@
         <p:spPr>
           <a:xfrm>
             <a:off x="504000" y="969840"/>
-            <a:ext cx="9070200" cy="1044720"/>
+            <a:ext cx="9069840" cy="1044360"/>
           </a:xfrm>
           <a:prstGeom prst="rect">
             <a:avLst/>
@@ -2173,7 +2173,7 @@
         <p:spPr>
           <a:xfrm>
             <a:off x="504000" y="2232000"/>
-            <a:ext cx="9070200" cy="4390560"/>
+            <a:ext cx="9069840" cy="4390200"/>
           </a:xfrm>
           <a:prstGeom prst="rect">
             <a:avLst/>
@@ -2194,7 +2194,7 @@
             <a:normAutofit fontScale="56000"/>
           </a:bodyPr>
           <a:p>
-            <a:pPr marL="432000" indent="-322560">
+            <a:pPr marL="432000" indent="-322200">
               <a:lnSpc>
                 <a:spcPct val="100000"/>
               </a:lnSpc>
@@ -2223,7 +2223,7 @@
             </a:endParaRPr>
           </a:p>
           <a:p>
-            <a:pPr marL="432000" indent="-322560">
+            <a:pPr marL="432000" indent="-322200">
               <a:lnSpc>
                 <a:spcPct val="100000"/>
               </a:lnSpc>
@@ -2252,7 +2252,7 @@
             </a:endParaRPr>
           </a:p>
           <a:p>
-            <a:pPr marL="432000" indent="-322560">
+            <a:pPr marL="432000" indent="-322200">
               <a:lnSpc>
                 <a:spcPct val="100000"/>
               </a:lnSpc>
@@ -2321,7 +2321,7 @@
         <p:spPr>
           <a:xfrm>
             <a:off x="504000" y="969840"/>
-            <a:ext cx="9070200" cy="1044720"/>
+            <a:ext cx="9069840" cy="1044360"/>
           </a:xfrm>
           <a:prstGeom prst="rect">
             <a:avLst/>
@@ -2375,7 +2375,7 @@
         <p:spPr>
           <a:xfrm>
             <a:off x="504000" y="2232000"/>
-            <a:ext cx="9070200" cy="4390560"/>
+            <a:ext cx="9069840" cy="4390200"/>
           </a:xfrm>
           <a:prstGeom prst="rect">
             <a:avLst/>
@@ -2396,7 +2396,7 @@
             <a:normAutofit fontScale="56000"/>
           </a:bodyPr>
           <a:p>
-            <a:pPr marL="432000" indent="-322560">
+            <a:pPr marL="432000" indent="-322200">
               <a:lnSpc>
                 <a:spcPct val="100000"/>
               </a:lnSpc>
@@ -2425,7 +2425,7 @@
             </a:endParaRPr>
           </a:p>
           <a:p>
-            <a:pPr marL="432000" indent="-322560">
+            <a:pPr marL="432000" indent="-322200">
               <a:lnSpc>
                 <a:spcPct val="100000"/>
               </a:lnSpc>
@@ -2454,7 +2454,7 @@
             </a:endParaRPr>
           </a:p>
           <a:p>
-            <a:pPr marL="432000" indent="-322560">
+            <a:pPr marL="432000" indent="-322200">
               <a:lnSpc>
                 <a:spcPct val="100000"/>
               </a:lnSpc>
@@ -2523,7 +2523,7 @@
         <p:spPr>
           <a:xfrm>
             <a:off x="504000" y="969840"/>
-            <a:ext cx="9070200" cy="1044720"/>
+            <a:ext cx="9069840" cy="1044360"/>
           </a:xfrm>
           <a:prstGeom prst="rect">
             <a:avLst/>
@@ -2577,7 +2577,7 @@
         <p:spPr>
           <a:xfrm>
             <a:off x="504000" y="2232000"/>
-            <a:ext cx="9070200" cy="4390560"/>
+            <a:ext cx="9069840" cy="4390200"/>
           </a:xfrm>
           <a:prstGeom prst="rect">
             <a:avLst/>
@@ -2598,7 +2598,7 @@
             <a:normAutofit fontScale="64000"/>
           </a:bodyPr>
           <a:p>
-            <a:pPr marL="432000" indent="-322560">
+            <a:pPr marL="432000" indent="-322200">
               <a:lnSpc>
                 <a:spcPct val="100000"/>
               </a:lnSpc>
@@ -2627,7 +2627,7 @@
             </a:endParaRPr>
           </a:p>
           <a:p>
-            <a:pPr marL="432000" indent="-322560">
+            <a:pPr marL="432000" indent="-322200">
               <a:lnSpc>
                 <a:spcPct val="100000"/>
               </a:lnSpc>
@@ -2656,7 +2656,7 @@
             </a:endParaRPr>
           </a:p>
           <a:p>
-            <a:pPr marL="432000" indent="-322560">
+            <a:pPr marL="432000" indent="-322200">
               <a:lnSpc>
                 <a:spcPct val="100000"/>
               </a:lnSpc>
@@ -2725,7 +2725,7 @@
         <p:spPr>
           <a:xfrm>
             <a:off x="504000" y="969840"/>
-            <a:ext cx="9070200" cy="1044720"/>
+            <a:ext cx="9069840" cy="1044360"/>
           </a:xfrm>
           <a:prstGeom prst="rect">
             <a:avLst/>
@@ -2779,7 +2779,7 @@
         <p:spPr>
           <a:xfrm>
             <a:off x="504000" y="2232000"/>
-            <a:ext cx="9070200" cy="4390560"/>
+            <a:ext cx="9069840" cy="4390200"/>
           </a:xfrm>
           <a:prstGeom prst="rect">
             <a:avLst/>
@@ -2800,7 +2800,7 @@
             <a:normAutofit fontScale="64000"/>
           </a:bodyPr>
           <a:p>
-            <a:pPr marL="432000" indent="-322560">
+            <a:pPr marL="432000" indent="-322200">
               <a:lnSpc>
                 <a:spcPct val="100000"/>
               </a:lnSpc>
@@ -2829,7 +2829,7 @@
             </a:endParaRPr>
           </a:p>
           <a:p>
-            <a:pPr marL="432000" indent="-322560">
+            <a:pPr marL="432000" indent="-322200">
               <a:lnSpc>
                 <a:spcPct val="100000"/>
               </a:lnSpc>
@@ -2858,7 +2858,7 @@
             </a:endParaRPr>
           </a:p>
           <a:p>
-            <a:pPr marL="432000" indent="-322560">
+            <a:pPr marL="432000" indent="-322200">
               <a:lnSpc>
                 <a:spcPct val="100000"/>
               </a:lnSpc>
@@ -2927,7 +2927,7 @@
         <p:spPr>
           <a:xfrm>
             <a:off x="504000" y="969840"/>
-            <a:ext cx="9070200" cy="1044720"/>
+            <a:ext cx="9069840" cy="1044360"/>
           </a:xfrm>
           <a:prstGeom prst="rect">
             <a:avLst/>
@@ -2981,7 +2981,7 @@
         <p:spPr>
           <a:xfrm>
             <a:off x="504000" y="2232000"/>
-            <a:ext cx="9070200" cy="4390560"/>
+            <a:ext cx="9069840" cy="4390200"/>
           </a:xfrm>
           <a:prstGeom prst="rect">
             <a:avLst/>
@@ -3002,7 +3002,7 @@
             <a:normAutofit fontScale="64000"/>
           </a:bodyPr>
           <a:p>
-            <a:pPr marL="432000" indent="-322560">
+            <a:pPr marL="432000" indent="-322200">
               <a:lnSpc>
                 <a:spcPct val="100000"/>
               </a:lnSpc>
@@ -3031,7 +3031,7 @@
             </a:endParaRPr>
           </a:p>
           <a:p>
-            <a:pPr marL="432000" indent="-322560">
+            <a:pPr marL="432000" indent="-322200">
               <a:lnSpc>
                 <a:spcPct val="100000"/>
               </a:lnSpc>
@@ -3060,7 +3060,7 @@
             </a:endParaRPr>
           </a:p>
           <a:p>
-            <a:pPr marL="432000" indent="-322560">
+            <a:pPr marL="432000" indent="-322200">
               <a:lnSpc>
                 <a:spcPct val="100000"/>
               </a:lnSpc>
@@ -3129,7 +3129,7 @@
         <p:spPr>
           <a:xfrm>
             <a:off x="504000" y="969840"/>
-            <a:ext cx="9070200" cy="1044720"/>
+            <a:ext cx="9069840" cy="1044360"/>
           </a:xfrm>
           <a:prstGeom prst="rect">
             <a:avLst/>
@@ -3183,7 +3183,7 @@
         <p:spPr>
           <a:xfrm>
             <a:off x="504000" y="2232000"/>
-            <a:ext cx="9070200" cy="4390560"/>
+            <a:ext cx="9069840" cy="4390200"/>
           </a:xfrm>
           <a:prstGeom prst="rect">
             <a:avLst/>
@@ -3204,7 +3204,7 @@
             <a:normAutofit fontScale="73000"/>
           </a:bodyPr>
           <a:p>
-            <a:pPr marL="432000" indent="-322560">
+            <a:pPr marL="432000" indent="-322200">
               <a:lnSpc>
                 <a:spcPct val="100000"/>
               </a:lnSpc>
@@ -3233,7 +3233,7 @@
             </a:endParaRPr>
           </a:p>
           <a:p>
-            <a:pPr marL="432000" indent="-322560">
+            <a:pPr marL="432000" indent="-322200">
               <a:lnSpc>
                 <a:spcPct val="100000"/>
               </a:lnSpc>
@@ -3262,7 +3262,7 @@
             </a:endParaRPr>
           </a:p>
           <a:p>
-            <a:pPr marL="432000" indent="-322560">
+            <a:pPr marL="432000" indent="-322200">
               <a:lnSpc>
                 <a:spcPct val="100000"/>
               </a:lnSpc>
@@ -3331,7 +3331,7 @@
         <p:spPr>
           <a:xfrm>
             <a:off x="504000" y="969840"/>
-            <a:ext cx="9070200" cy="1044720"/>
+            <a:ext cx="9069840" cy="1044360"/>
           </a:xfrm>
           <a:prstGeom prst="rect">
             <a:avLst/>
@@ -3385,7 +3385,7 @@
         <p:spPr>
           <a:xfrm>
             <a:off x="504000" y="2232000"/>
-            <a:ext cx="9070200" cy="4390560"/>
+            <a:ext cx="9069840" cy="4390200"/>
           </a:xfrm>
           <a:prstGeom prst="rect">
             <a:avLst/>
@@ -3406,7 +3406,7 @@
             <a:normAutofit fontScale="51000"/>
           </a:bodyPr>
           <a:p>
-            <a:pPr marL="432000" indent="-322560">
+            <a:pPr marL="432000" indent="-322200">
               <a:lnSpc>
                 <a:spcPct val="100000"/>
               </a:lnSpc>
@@ -3435,7 +3435,7 @@
             </a:endParaRPr>
           </a:p>
           <a:p>
-            <a:pPr marL="432000" indent="-322560">
+            <a:pPr marL="432000" indent="-322200">
               <a:lnSpc>
                 <a:spcPct val="100000"/>
               </a:lnSpc>
@@ -3464,7 +3464,7 @@
             </a:endParaRPr>
           </a:p>
           <a:p>
-            <a:pPr marL="432000" indent="-322560">
+            <a:pPr marL="432000" indent="-322200">
               <a:lnSpc>
                 <a:spcPct val="100000"/>
               </a:lnSpc>
@@ -3533,7 +3533,7 @@
         <p:spPr>
           <a:xfrm>
             <a:off x="504000" y="969840"/>
-            <a:ext cx="9070200" cy="1044720"/>
+            <a:ext cx="9069840" cy="1044360"/>
           </a:xfrm>
           <a:prstGeom prst="rect">
             <a:avLst/>
@@ -3587,7 +3587,7 @@
         <p:spPr>
           <a:xfrm>
             <a:off x="504000" y="2232000"/>
-            <a:ext cx="9070200" cy="4390560"/>
+            <a:ext cx="9069840" cy="4390200"/>
           </a:xfrm>
           <a:prstGeom prst="rect">
             <a:avLst/>
@@ -3608,7 +3608,7 @@
             <a:normAutofit fontScale="64000"/>
           </a:bodyPr>
           <a:p>
-            <a:pPr marL="432000" indent="-322560">
+            <a:pPr marL="432000" indent="-322200">
               <a:lnSpc>
                 <a:spcPct val="100000"/>
               </a:lnSpc>
@@ -3637,7 +3637,7 @@
             </a:endParaRPr>
           </a:p>
           <a:p>
-            <a:pPr marL="432000" indent="-322560">
+            <a:pPr marL="432000" indent="-322200">
               <a:lnSpc>
                 <a:spcPct val="100000"/>
               </a:lnSpc>
@@ -3666,7 +3666,7 @@
             </a:endParaRPr>
           </a:p>
           <a:p>
-            <a:pPr marL="432000" indent="-322560">
+            <a:pPr marL="432000" indent="-322200">
               <a:lnSpc>
                 <a:spcPct val="100000"/>
               </a:lnSpc>
@@ -3735,7 +3735,7 @@
         <p:spPr>
           <a:xfrm>
             <a:off x="504000" y="969840"/>
-            <a:ext cx="9070200" cy="1044720"/>
+            <a:ext cx="9069840" cy="1044360"/>
           </a:xfrm>
           <a:prstGeom prst="rect">
             <a:avLst/>
@@ -3789,7 +3789,7 @@
         <p:spPr>
           <a:xfrm>
             <a:off x="504000" y="2232000"/>
-            <a:ext cx="9070200" cy="4390560"/>
+            <a:ext cx="9069840" cy="4390200"/>
           </a:xfrm>
           <a:prstGeom prst="rect">
             <a:avLst/>
@@ -3810,7 +3810,7 @@
             <a:normAutofit/>
           </a:bodyPr>
           <a:p>
-            <a:pPr marL="432000" indent="-322560">
+            <a:pPr marL="432000" indent="-322200">
               <a:lnSpc>
                 <a:spcPct val="100000"/>
               </a:lnSpc>
@@ -3839,7 +3839,7 @@
             </a:endParaRPr>
           </a:p>
           <a:p>
-            <a:pPr marL="432000" indent="-322560">
+            <a:pPr marL="432000" indent="-322200">
               <a:lnSpc>
                 <a:spcPct val="100000"/>
               </a:lnSpc>
@@ -3908,7 +3908,7 @@
         <p:spPr>
           <a:xfrm>
             <a:off x="504000" y="408600"/>
-            <a:ext cx="9070200" cy="1261080"/>
+            <a:ext cx="9069840" cy="1260720"/>
           </a:xfrm>
           <a:prstGeom prst="rect">
             <a:avLst/>
@@ -3963,7 +3963,7 @@
         <p:spPr>
           <a:xfrm>
             <a:off x="504000" y="2020680"/>
-            <a:ext cx="9070200" cy="4673880"/>
+            <a:ext cx="9069840" cy="4673520"/>
           </a:xfrm>
           <a:prstGeom prst="rect">
             <a:avLst/>
@@ -4534,7 +4534,7 @@
         <p:spPr>
           <a:xfrm>
             <a:off x="504000" y="969840"/>
-            <a:ext cx="9070200" cy="1044720"/>
+            <a:ext cx="9069840" cy="1044360"/>
           </a:xfrm>
           <a:prstGeom prst="rect">
             <a:avLst/>
@@ -4588,7 +4588,7 @@
         <p:spPr>
           <a:xfrm>
             <a:off x="504000" y="2232000"/>
-            <a:ext cx="9070200" cy="4390560"/>
+            <a:ext cx="9069840" cy="4390200"/>
           </a:xfrm>
           <a:prstGeom prst="rect">
             <a:avLst/>
@@ -4609,7 +4609,7 @@
             <a:normAutofit fontScale="64000"/>
           </a:bodyPr>
           <a:p>
-            <a:pPr marL="432000" indent="-322560">
+            <a:pPr marL="432000" indent="-322200">
               <a:lnSpc>
                 <a:spcPct val="100000"/>
               </a:lnSpc>
@@ -4638,7 +4638,7 @@
             </a:endParaRPr>
           </a:p>
           <a:p>
-            <a:pPr marL="432000" indent="-322560">
+            <a:pPr marL="432000" indent="-322200">
               <a:lnSpc>
                 <a:spcPct val="100000"/>
               </a:lnSpc>
@@ -4667,7 +4667,7 @@
             </a:endParaRPr>
           </a:p>
           <a:p>
-            <a:pPr marL="432000" indent="-322560">
+            <a:pPr marL="432000" indent="-322200">
               <a:lnSpc>
                 <a:spcPct val="100000"/>
               </a:lnSpc>
@@ -4736,7 +4736,7 @@
         <p:spPr>
           <a:xfrm>
             <a:off x="504000" y="969840"/>
-            <a:ext cx="9070200" cy="1044720"/>
+            <a:ext cx="9069840" cy="1044360"/>
           </a:xfrm>
           <a:prstGeom prst="rect">
             <a:avLst/>
@@ -4790,7 +4790,7 @@
         <p:spPr>
           <a:xfrm>
             <a:off x="504000" y="2232000"/>
-            <a:ext cx="9070200" cy="4390560"/>
+            <a:ext cx="9069840" cy="4390200"/>
           </a:xfrm>
           <a:prstGeom prst="rect">
             <a:avLst/>
@@ -4811,7 +4811,7 @@
             <a:normAutofit fontScale="64000"/>
           </a:bodyPr>
           <a:p>
-            <a:pPr marL="432000" indent="-322560">
+            <a:pPr marL="432000" indent="-322200">
               <a:lnSpc>
                 <a:spcPct val="100000"/>
               </a:lnSpc>
@@ -4840,7 +4840,7 @@
             </a:endParaRPr>
           </a:p>
           <a:p>
-            <a:pPr marL="432000" indent="-322560">
+            <a:pPr marL="432000" indent="-322200">
               <a:lnSpc>
                 <a:spcPct val="100000"/>
               </a:lnSpc>
@@ -4869,7 +4869,7 @@
             </a:endParaRPr>
           </a:p>
           <a:p>
-            <a:pPr marL="432000" indent="-322560">
+            <a:pPr marL="432000" indent="-322200">
               <a:lnSpc>
                 <a:spcPct val="100000"/>
               </a:lnSpc>
@@ -4938,7 +4938,7 @@
         <p:spPr>
           <a:xfrm>
             <a:off x="504000" y="969840"/>
-            <a:ext cx="9070200" cy="1044720"/>
+            <a:ext cx="9069840" cy="1044360"/>
           </a:xfrm>
           <a:prstGeom prst="rect">
             <a:avLst/>
@@ -4992,7 +4992,7 @@
         <p:spPr>
           <a:xfrm>
             <a:off x="504000" y="2232000"/>
-            <a:ext cx="9070200" cy="4390560"/>
+            <a:ext cx="9069840" cy="4390200"/>
           </a:xfrm>
           <a:prstGeom prst="rect">
             <a:avLst/>
@@ -5013,7 +5013,7 @@
             <a:normAutofit fontScale="64000"/>
           </a:bodyPr>
           <a:p>
-            <a:pPr marL="432000" indent="-322560">
+            <a:pPr marL="432000" indent="-322200">
               <a:lnSpc>
                 <a:spcPct val="100000"/>
               </a:lnSpc>
@@ -5042,7 +5042,7 @@
             </a:endParaRPr>
           </a:p>
           <a:p>
-            <a:pPr marL="432000" indent="-322560">
+            <a:pPr marL="432000" indent="-322200">
               <a:lnSpc>
                 <a:spcPct val="100000"/>
               </a:lnSpc>
@@ -5071,7 +5071,7 @@
             </a:endParaRPr>
           </a:p>
           <a:p>
-            <a:pPr marL="432000" indent="-322560">
+            <a:pPr marL="432000" indent="-322200">
               <a:lnSpc>
                 <a:spcPct val="100000"/>
               </a:lnSpc>
@@ -5140,7 +5140,7 @@
         <p:spPr>
           <a:xfrm>
             <a:off x="504000" y="969840"/>
-            <a:ext cx="9070200" cy="1044720"/>
+            <a:ext cx="9069840" cy="1044360"/>
           </a:xfrm>
           <a:prstGeom prst="rect">
             <a:avLst/>
@@ -5194,7 +5194,7 @@
         <p:spPr>
           <a:xfrm>
             <a:off x="504000" y="2232000"/>
-            <a:ext cx="9070200" cy="4390560"/>
+            <a:ext cx="9069840" cy="4390200"/>
           </a:xfrm>
           <a:prstGeom prst="rect">
             <a:avLst/>
@@ -5215,7 +5215,7 @@
             <a:normAutofit fontScale="64000"/>
           </a:bodyPr>
           <a:p>
-            <a:pPr marL="432000" indent="-322560">
+            <a:pPr marL="432000" indent="-322200">
               <a:lnSpc>
                 <a:spcPct val="100000"/>
               </a:lnSpc>
@@ -5244,7 +5244,7 @@
             </a:endParaRPr>
           </a:p>
           <a:p>
-            <a:pPr marL="432000" indent="-322560">
+            <a:pPr marL="432000" indent="-322200">
               <a:lnSpc>
                 <a:spcPct val="100000"/>
               </a:lnSpc>
@@ -5273,7 +5273,7 @@
             </a:endParaRPr>
           </a:p>
           <a:p>
-            <a:pPr marL="432000" indent="-322560">
+            <a:pPr marL="432000" indent="-322200">
               <a:lnSpc>
                 <a:spcPct val="100000"/>
               </a:lnSpc>
@@ -5342,7 +5342,7 @@
         <p:spPr>
           <a:xfrm>
             <a:off x="504000" y="969840"/>
-            <a:ext cx="9070200" cy="1044720"/>
+            <a:ext cx="9069840" cy="1044360"/>
           </a:xfrm>
           <a:prstGeom prst="rect">
             <a:avLst/>
@@ -5396,7 +5396,7 @@
         <p:spPr>
           <a:xfrm>
             <a:off x="504000" y="2232000"/>
-            <a:ext cx="9070200" cy="4390560"/>
+            <a:ext cx="9069840" cy="4390200"/>
           </a:xfrm>
           <a:prstGeom prst="rect">
             <a:avLst/>
@@ -5417,7 +5417,7 @@
             <a:normAutofit fontScale="64000"/>
           </a:bodyPr>
           <a:p>
-            <a:pPr marL="432000" indent="-322560">
+            <a:pPr marL="432000" indent="-322200">
               <a:lnSpc>
                 <a:spcPct val="100000"/>
               </a:lnSpc>
@@ -5446,7 +5446,7 @@
             </a:endParaRPr>
           </a:p>
           <a:p>
-            <a:pPr marL="432000" indent="-322560">
+            <a:pPr marL="432000" indent="-322200">
               <a:lnSpc>
                 <a:spcPct val="100000"/>
               </a:lnSpc>
@@ -5475,7 +5475,7 @@
             </a:endParaRPr>
           </a:p>
           <a:p>
-            <a:pPr marL="432000" indent="-322560">
+            <a:pPr marL="432000" indent="-322200">
               <a:lnSpc>
                 <a:spcPct val="100000"/>
               </a:lnSpc>
@@ -5544,7 +5544,7 @@
         <p:spPr>
           <a:xfrm>
             <a:off x="504000" y="969840"/>
-            <a:ext cx="9070200" cy="1044720"/>
+            <a:ext cx="9069840" cy="1044360"/>
           </a:xfrm>
           <a:prstGeom prst="rect">
             <a:avLst/>
@@ -5598,7 +5598,7 @@
         <p:spPr>
           <a:xfrm>
             <a:off x="504000" y="2232000"/>
-            <a:ext cx="9070200" cy="4390560"/>
+            <a:ext cx="9069840" cy="4390200"/>
           </a:xfrm>
           <a:prstGeom prst="rect">
             <a:avLst/>
@@ -5619,7 +5619,7 @@
             <a:normAutofit/>
           </a:bodyPr>
           <a:p>
-            <a:pPr marL="432000" indent="-322560">
+            <a:pPr marL="432000" indent="-322200">
               <a:lnSpc>
                 <a:spcPct val="100000"/>
               </a:lnSpc>
@@ -5648,7 +5648,7 @@
             </a:endParaRPr>
           </a:p>
           <a:p>
-            <a:pPr marL="432000" indent="-322560">
+            <a:pPr marL="432000" indent="-322200">
               <a:lnSpc>
                 <a:spcPct val="100000"/>
               </a:lnSpc>
@@ -5692,7 +5692,7 @@
         <p:spPr>
           <a:xfrm>
             <a:off x="6949440" y="1920240"/>
-            <a:ext cx="2743200" cy="5276160"/>
+            <a:ext cx="2742840" cy="5275800"/>
           </a:xfrm>
           <a:prstGeom prst="rect">
             <a:avLst/>
@@ -5741,7 +5741,7 @@
         <p:spPr>
           <a:xfrm>
             <a:off x="504000" y="867960"/>
-            <a:ext cx="9070200" cy="1248840"/>
+            <a:ext cx="9069840" cy="1248480"/>
           </a:xfrm>
           <a:prstGeom prst="rect">
             <a:avLst/>
@@ -5762,7 +5762,7 @@
             <a:noAutofit/>
           </a:bodyPr>
           <a:p>
-            <a:pPr marL="432000" indent="-322560" algn="ctr">
+            <a:pPr marL="432000" indent="-322200" algn="ctr">
               <a:lnSpc>
                 <a:spcPct val="100000"/>
               </a:lnSpc>
@@ -5801,7 +5801,7 @@
         <p:spPr>
           <a:xfrm>
             <a:off x="504000" y="2232000"/>
-            <a:ext cx="9070200" cy="4390560"/>
+            <a:ext cx="9069840" cy="4390200"/>
           </a:xfrm>
           <a:prstGeom prst="rect">
             <a:avLst/>
@@ -5992,7 +5992,7 @@
             </a:endParaRPr>
           </a:p>
           <a:p>
-            <a:pPr marL="432000" indent="-322560">
+            <a:pPr marL="432000" indent="-322200">
               <a:lnSpc>
                 <a:spcPct val="100000"/>
               </a:lnSpc>
@@ -6073,7 +6073,7 @@
         <p:spPr>
           <a:xfrm>
             <a:off x="504000" y="969840"/>
-            <a:ext cx="9070200" cy="1044720"/>
+            <a:ext cx="9069840" cy="1044360"/>
           </a:xfrm>
           <a:prstGeom prst="rect">
             <a:avLst/>
@@ -6094,7 +6094,7 @@
             <a:noAutofit/>
           </a:bodyPr>
           <a:p>
-            <a:pPr marL="432000" indent="-322560" algn="ctr">
+            <a:pPr marL="432000" indent="-322200" algn="ctr">
               <a:lnSpc>
                 <a:spcPct val="100000"/>
               </a:lnSpc>
@@ -6133,7 +6133,7 @@
         <p:spPr>
           <a:xfrm>
             <a:off x="504000" y="2232000"/>
-            <a:ext cx="9070200" cy="4390560"/>
+            <a:ext cx="9069840" cy="4390200"/>
           </a:xfrm>
           <a:prstGeom prst="rect">
             <a:avLst/>
@@ -6154,7 +6154,7 @@
             <a:normAutofit fontScale="51000"/>
           </a:bodyPr>
           <a:p>
-            <a:pPr marL="432000" indent="-322560">
+            <a:pPr marL="432000" indent="-322200">
               <a:lnSpc>
                 <a:spcPct val="100000"/>
               </a:lnSpc>
@@ -6183,7 +6183,7 @@
             </a:endParaRPr>
           </a:p>
           <a:p>
-            <a:pPr marL="432000" indent="-322560">
+            <a:pPr marL="432000" indent="-322200">
               <a:lnSpc>
                 <a:spcPct val="100000"/>
               </a:lnSpc>
@@ -6212,7 +6212,7 @@
             </a:endParaRPr>
           </a:p>
           <a:p>
-            <a:pPr marL="432000" indent="-322560">
+            <a:pPr marL="432000" indent="-322200">
               <a:lnSpc>
                 <a:spcPct val="100000"/>
               </a:lnSpc>
@@ -6281,7 +6281,7 @@
         <p:spPr>
           <a:xfrm>
             <a:off x="504000" y="969840"/>
-            <a:ext cx="9070200" cy="1044720"/>
+            <a:ext cx="9069840" cy="1044360"/>
           </a:xfrm>
           <a:prstGeom prst="rect">
             <a:avLst/>
@@ -6335,7 +6335,7 @@
         <p:spPr>
           <a:xfrm>
             <a:off x="504000" y="2232000"/>
-            <a:ext cx="9070200" cy="4390560"/>
+            <a:ext cx="9069840" cy="4390200"/>
           </a:xfrm>
           <a:prstGeom prst="rect">
             <a:avLst/>
@@ -6356,7 +6356,7 @@
             <a:normAutofit fontScale="46000"/>
           </a:bodyPr>
           <a:p>
-            <a:pPr marL="432000" indent="-322560">
+            <a:pPr marL="432000" indent="-322200">
               <a:lnSpc>
                 <a:spcPct val="100000"/>
               </a:lnSpc>
@@ -6385,7 +6385,7 @@
             </a:endParaRPr>
           </a:p>
           <a:p>
-            <a:pPr marL="432000" indent="-322560">
+            <a:pPr marL="432000" indent="-322200">
               <a:lnSpc>
                 <a:spcPct val="100000"/>
               </a:lnSpc>
@@ -6414,7 +6414,7 @@
             </a:endParaRPr>
           </a:p>
           <a:p>
-            <a:pPr marL="432000" indent="-322560">
+            <a:pPr marL="432000" indent="-322200">
               <a:lnSpc>
                 <a:spcPct val="100000"/>
               </a:lnSpc>
@@ -6483,7 +6483,7 @@
         <p:spPr>
           <a:xfrm>
             <a:off x="504000" y="969840"/>
-            <a:ext cx="9070200" cy="1044720"/>
+            <a:ext cx="9069840" cy="1044360"/>
           </a:xfrm>
           <a:prstGeom prst="rect">
             <a:avLst/>
@@ -6547,7 +6547,7 @@
         <p:spPr>
           <a:xfrm>
             <a:off x="504000" y="2232000"/>
-            <a:ext cx="9070200" cy="4390560"/>
+            <a:ext cx="9069840" cy="4390200"/>
           </a:xfrm>
           <a:prstGeom prst="rect">
             <a:avLst/>
@@ -6568,7 +6568,7 @@
             <a:normAutofit fontScale="56000"/>
           </a:bodyPr>
           <a:p>
-            <a:pPr marL="432000" indent="-322560">
+            <a:pPr marL="432000" indent="-322200">
               <a:lnSpc>
                 <a:spcPct val="100000"/>
               </a:lnSpc>
@@ -6597,7 +6597,7 @@
             </a:endParaRPr>
           </a:p>
           <a:p>
-            <a:pPr marL="432000" indent="-322560">
+            <a:pPr marL="432000" indent="-322200">
               <a:lnSpc>
                 <a:spcPct val="100000"/>
               </a:lnSpc>
@@ -6626,7 +6626,7 @@
             </a:endParaRPr>
           </a:p>
           <a:p>
-            <a:pPr marL="432000" indent="-322560">
+            <a:pPr marL="432000" indent="-322200">
               <a:lnSpc>
                 <a:spcPct val="100000"/>
               </a:lnSpc>
@@ -6695,7 +6695,7 @@
         <p:spPr>
           <a:xfrm>
             <a:off x="504000" y="969840"/>
-            <a:ext cx="9070200" cy="1044720"/>
+            <a:ext cx="9069840" cy="1044360"/>
           </a:xfrm>
           <a:prstGeom prst="rect">
             <a:avLst/>
@@ -6749,7 +6749,7 @@
         <p:spPr>
           <a:xfrm>
             <a:off x="504000" y="2232000"/>
-            <a:ext cx="9070200" cy="4390560"/>
+            <a:ext cx="9069840" cy="4390200"/>
           </a:xfrm>
           <a:prstGeom prst="rect">
             <a:avLst/>
@@ -6770,7 +6770,7 @@
             <a:normAutofit fontScale="64000"/>
           </a:bodyPr>
           <a:p>
-            <a:pPr marL="432000" indent="-322560">
+            <a:pPr marL="432000" indent="-322200">
               <a:lnSpc>
                 <a:spcPct val="100000"/>
               </a:lnSpc>
@@ -6799,7 +6799,7 @@
             </a:endParaRPr>
           </a:p>
           <a:p>
-            <a:pPr marL="432000" indent="-322560">
+            <a:pPr marL="432000" indent="-322200">
               <a:lnSpc>
                 <a:spcPct val="100000"/>
               </a:lnSpc>
@@ -6828,7 +6828,7 @@
             </a:endParaRPr>
           </a:p>
           <a:p>
-            <a:pPr marL="432000" indent="-322560">
+            <a:pPr marL="432000" indent="-322200">
               <a:lnSpc>
                 <a:spcPct val="100000"/>
               </a:lnSpc>
@@ -6897,7 +6897,7 @@
         <p:spPr>
           <a:xfrm>
             <a:off x="504000" y="867960"/>
-            <a:ext cx="9070200" cy="1248840"/>
+            <a:ext cx="9069840" cy="1248480"/>
           </a:xfrm>
           <a:prstGeom prst="rect">
             <a:avLst/>
@@ -6951,7 +6951,7 @@
         <p:spPr>
           <a:xfrm>
             <a:off x="504000" y="2232000"/>
-            <a:ext cx="9070200" cy="4390560"/>
+            <a:ext cx="9069840" cy="4390200"/>
           </a:xfrm>
           <a:prstGeom prst="rect">
             <a:avLst/>
@@ -6972,7 +6972,7 @@
             <a:normAutofit fontScale="56000"/>
           </a:bodyPr>
           <a:p>
-            <a:pPr marL="432000" indent="-322560">
+            <a:pPr marL="432000" indent="-322200">
               <a:lnSpc>
                 <a:spcPct val="100000"/>
               </a:lnSpc>
@@ -7001,7 +7001,7 @@
             </a:endParaRPr>
           </a:p>
           <a:p>
-            <a:pPr marL="432000" indent="-322560">
+            <a:pPr marL="432000" indent="-322200">
               <a:lnSpc>
                 <a:spcPct val="100000"/>
               </a:lnSpc>
@@ -7030,7 +7030,7 @@
             </a:endParaRPr>
           </a:p>
           <a:p>
-            <a:pPr marL="432000" indent="-322560">
+            <a:pPr marL="432000" indent="-322200">
               <a:lnSpc>
                 <a:spcPct val="100000"/>
               </a:lnSpc>
@@ -7099,7 +7099,7 @@
         <p:spPr>
           <a:xfrm>
             <a:off x="504000" y="969840"/>
-            <a:ext cx="9070200" cy="1044720"/>
+            <a:ext cx="9069840" cy="1044360"/>
           </a:xfrm>
           <a:prstGeom prst="rect">
             <a:avLst/>
@@ -7153,7 +7153,7 @@
         <p:spPr>
           <a:xfrm>
             <a:off x="504000" y="2232000"/>
-            <a:ext cx="9070200" cy="4390560"/>
+            <a:ext cx="9069840" cy="4390200"/>
           </a:xfrm>
           <a:prstGeom prst="rect">
             <a:avLst/>
@@ -7174,7 +7174,7 @@
             <a:normAutofit fontScale="51000"/>
           </a:bodyPr>
           <a:p>
-            <a:pPr marL="432000" indent="-322560">
+            <a:pPr marL="432000" indent="-322200">
               <a:lnSpc>
                 <a:spcPct val="100000"/>
               </a:lnSpc>
@@ -7203,7 +7203,7 @@
             </a:endParaRPr>
           </a:p>
           <a:p>
-            <a:pPr marL="432000" indent="-322560">
+            <a:pPr marL="432000" indent="-322200">
               <a:lnSpc>
                 <a:spcPct val="100000"/>
               </a:lnSpc>
@@ -7232,7 +7232,7 @@
             </a:endParaRPr>
           </a:p>
           <a:p>
-            <a:pPr marL="432000" indent="-322560">
+            <a:pPr marL="432000" indent="-322200">
               <a:lnSpc>
                 <a:spcPct val="100000"/>
               </a:lnSpc>
@@ -7301,7 +7301,7 @@
         <p:spPr>
           <a:xfrm>
             <a:off x="504000" y="969840"/>
-            <a:ext cx="9070200" cy="1044720"/>
+            <a:ext cx="9069840" cy="1044360"/>
           </a:xfrm>
           <a:prstGeom prst="rect">
             <a:avLst/>
@@ -7355,7 +7355,7 @@
         <p:spPr>
           <a:xfrm>
             <a:off x="504000" y="2232000"/>
-            <a:ext cx="9070200" cy="4390560"/>
+            <a:ext cx="9069840" cy="4390200"/>
           </a:xfrm>
           <a:prstGeom prst="rect">
             <a:avLst/>
@@ -7376,7 +7376,7 @@
             <a:normAutofit fontScale="56000"/>
           </a:bodyPr>
           <a:p>
-            <a:pPr marL="432000" indent="-322560">
+            <a:pPr marL="432000" indent="-322200">
               <a:lnSpc>
                 <a:spcPct val="100000"/>
               </a:lnSpc>
@@ -7405,7 +7405,7 @@
             </a:endParaRPr>
           </a:p>
           <a:p>
-            <a:pPr marL="432000" indent="-322560">
+            <a:pPr marL="432000" indent="-322200">
               <a:lnSpc>
                 <a:spcPct val="100000"/>
               </a:lnSpc>
@@ -7434,7 +7434,7 @@
             </a:endParaRPr>
           </a:p>
           <a:p>
-            <a:pPr marL="432000" indent="-322560">
+            <a:pPr marL="432000" indent="-322200">
               <a:lnSpc>
                 <a:spcPct val="100000"/>
               </a:lnSpc>
